--- a/工作文档/打包和更新/Tera更新系统设计和实现-苗雨.pptx
+++ b/工作文档/打包和更新/Tera更新系统设计和实现-苗雨.pptx
@@ -26,6 +26,7 @@
     <p:sldId id="272" r:id="rId20"/>
     <p:sldId id="273" r:id="rId21"/>
     <p:sldId id="275" r:id="rId22"/>
+    <p:sldId id="279" r:id="rId23"/>
   </p:sldIdLst>
   <p:sldSz cx="9144000" cy="6858000" type="screen4x3"/>
   <p:notesSz cx="6858000" cy="9144000"/>
@@ -351,7 +352,7 @@
             <a:fld id="{F12B0E7D-7999-40E3-A236-B6C32896D7A4}" type="datetimeFigureOut">
               <a:rPr lang="zh-CN" altLang="en-US" smtClean="0"/>
               <a:pPr/>
-              <a:t>2021/8/12</a:t>
+              <a:t>2021/8/13</a:t>
             </a:fld>
             <a:endParaRPr lang="zh-CN" altLang="en-US"/>
           </a:p>
@@ -548,7 +549,7 @@
             <a:fld id="{F12B0E7D-7999-40E3-A236-B6C32896D7A4}" type="datetimeFigureOut">
               <a:rPr lang="zh-CN" altLang="en-US" smtClean="0"/>
               <a:pPr/>
-              <a:t>2021/8/12</a:t>
+              <a:t>2021/8/13</a:t>
             </a:fld>
             <a:endParaRPr lang="zh-CN" altLang="en-US"/>
           </a:p>
@@ -739,7 +740,7 @@
             <a:fld id="{F12B0E7D-7999-40E3-A236-B6C32896D7A4}" type="datetimeFigureOut">
               <a:rPr lang="zh-CN" altLang="en-US" smtClean="0"/>
               <a:pPr/>
-              <a:t>2021/8/12</a:t>
+              <a:t>2021/8/13</a:t>
             </a:fld>
             <a:endParaRPr lang="zh-CN" altLang="en-US"/>
           </a:p>
@@ -971,7 +972,7 @@
             <a:fld id="{F12B0E7D-7999-40E3-A236-B6C32896D7A4}" type="datetimeFigureOut">
               <a:rPr lang="zh-CN" altLang="en-US" smtClean="0"/>
               <a:pPr/>
-              <a:t>2021/8/12</a:t>
+              <a:t>2021/8/13</a:t>
             </a:fld>
             <a:endParaRPr lang="zh-CN" altLang="en-US"/>
           </a:p>
@@ -1255,7 +1256,7 @@
             <a:fld id="{F12B0E7D-7999-40E3-A236-B6C32896D7A4}" type="datetimeFigureOut">
               <a:rPr lang="zh-CN" altLang="en-US" smtClean="0"/>
               <a:pPr/>
-              <a:t>2021/8/12</a:t>
+              <a:t>2021/8/13</a:t>
             </a:fld>
             <a:endParaRPr lang="zh-CN" altLang="en-US"/>
           </a:p>
@@ -1546,7 +1547,7 @@
             <a:fld id="{F12B0E7D-7999-40E3-A236-B6C32896D7A4}" type="datetimeFigureOut">
               <a:rPr lang="zh-CN" altLang="en-US" smtClean="0"/>
               <a:pPr/>
-              <a:t>2021/8/12</a:t>
+              <a:t>2021/8/13</a:t>
             </a:fld>
             <a:endParaRPr lang="zh-CN" altLang="en-US"/>
           </a:p>
@@ -2103,7 +2104,7 @@
             <a:fld id="{F12B0E7D-7999-40E3-A236-B6C32896D7A4}" type="datetimeFigureOut">
               <a:rPr lang="zh-CN" altLang="en-US" smtClean="0"/>
               <a:pPr/>
-              <a:t>2021/8/12</a:t>
+              <a:t>2021/8/13</a:t>
             </a:fld>
             <a:endParaRPr lang="zh-CN" altLang="en-US"/>
           </a:p>
@@ -2237,7 +2238,7 @@
             <a:fld id="{F12B0E7D-7999-40E3-A236-B6C32896D7A4}" type="datetimeFigureOut">
               <a:rPr lang="zh-CN" altLang="en-US" smtClean="0"/>
               <a:pPr/>
-              <a:t>2021/8/12</a:t>
+              <a:t>2021/8/13</a:t>
             </a:fld>
             <a:endParaRPr lang="zh-CN" altLang="en-US"/>
           </a:p>
@@ -2390,7 +2391,7 @@
             <a:fld id="{F12B0E7D-7999-40E3-A236-B6C32896D7A4}" type="datetimeFigureOut">
               <a:rPr lang="zh-CN" altLang="en-US" smtClean="0"/>
               <a:pPr/>
-              <a:t>2021/8/12</a:t>
+              <a:t>2021/8/13</a:t>
             </a:fld>
             <a:endParaRPr lang="zh-CN" altLang="en-US"/>
           </a:p>
@@ -2714,7 +2715,7 @@
             <a:fld id="{F12B0E7D-7999-40E3-A236-B6C32896D7A4}" type="datetimeFigureOut">
               <a:rPr lang="zh-CN" altLang="en-US" smtClean="0"/>
               <a:pPr/>
-              <a:t>2021/8/12</a:t>
+              <a:t>2021/8/13</a:t>
             </a:fld>
             <a:endParaRPr lang="zh-CN" altLang="en-US"/>
           </a:p>
@@ -3014,7 +3015,7 @@
             <a:fld id="{F12B0E7D-7999-40E3-A236-B6C32896D7A4}" type="datetimeFigureOut">
               <a:rPr lang="zh-CN" altLang="en-US" smtClean="0"/>
               <a:pPr/>
-              <a:t>2021/8/12</a:t>
+              <a:t>2021/8/13</a:t>
             </a:fld>
             <a:endParaRPr lang="zh-CN" altLang="en-US"/>
           </a:p>
@@ -3262,7 +3263,7 @@
             <a:fld id="{F12B0E7D-7999-40E3-A236-B6C32896D7A4}" type="datetimeFigureOut">
               <a:rPr lang="zh-CN" altLang="en-US" smtClean="0"/>
               <a:pPr/>
-              <a:t>2021/8/12</a:t>
+              <a:t>2021/8/13</a:t>
             </a:fld>
             <a:endParaRPr lang="zh-CN" altLang="en-US"/>
           </a:p>
@@ -3782,15 +3783,7 @@
                 <a:ea typeface="+mn-ea"/>
                 <a:cs typeface="Consolas" pitchFamily="49" charset="0"/>
               </a:rPr>
-              <a:t>的更新</a:t>
-            </a:r>
-            <a:r>
-              <a:rPr lang="zh-CN" altLang="en-US" dirty="0" smtClean="0">
-                <a:latin typeface="Consolas" pitchFamily="49" charset="0"/>
-                <a:ea typeface="+mn-ea"/>
-                <a:cs typeface="Consolas" pitchFamily="49" charset="0"/>
-              </a:rPr>
-              <a:t>系统设计和实现</a:t>
+              <a:t>的更新系统设计和实现</a:t>
             </a:r>
             <a:endParaRPr lang="zh-CN" altLang="en-US" dirty="0">
               <a:latin typeface="Consolas" pitchFamily="49" charset="0"/>
@@ -3961,7 +3954,6 @@
               <a:rPr lang="zh-CN" altLang="en-US" dirty="0"/>
               <a:t>文件下载的速度和正确性</a:t>
             </a:r>
-            <a:endParaRPr lang="zh-CN" altLang="en-US" dirty="0"/>
           </a:p>
         </p:txBody>
       </p:sp>
@@ -4027,7 +4019,6 @@
               <a:rPr lang="zh-CN" altLang="en-US" dirty="0"/>
               <a:t>校验</a:t>
             </a:r>
-            <a:endParaRPr lang="zh-CN" altLang="en-US" dirty="0"/>
           </a:p>
         </p:txBody>
       </p:sp>
@@ -4092,7 +4083,6 @@
               <a:rPr lang="zh-CN" altLang="en-US" dirty="0"/>
               <a:t>要放那些文件</a:t>
             </a:r>
-            <a:endParaRPr lang="zh-CN" altLang="en-US" dirty="0"/>
           </a:p>
         </p:txBody>
       </p:sp>
@@ -4176,7 +4166,6 @@
               <a:rPr lang="zh-CN" altLang="en-US" dirty="0"/>
               <a:t>码</a:t>
             </a:r>
-            <a:endParaRPr lang="zh-CN" altLang="en-US" dirty="0"/>
           </a:p>
         </p:txBody>
       </p:sp>
@@ -4237,7 +4226,6 @@
               <a:rPr lang="zh-CN" altLang="en-US" dirty="0"/>
               <a:t>更新的连续性</a:t>
             </a:r>
-            <a:endParaRPr lang="zh-CN" altLang="en-US" dirty="0"/>
           </a:p>
         </p:txBody>
       </p:sp>
@@ -4345,7 +4333,6 @@
               <a:rPr lang="zh-CN" altLang="en-US" dirty="0" smtClean="0"/>
               <a:t>断线续传支持</a:t>
             </a:r>
-            <a:endParaRPr lang="zh-CN" altLang="en-US" dirty="0" smtClean="0"/>
           </a:p>
         </p:txBody>
       </p:sp>
@@ -4424,7 +4411,6 @@
               <a:rPr lang="zh-CN" altLang="en-US" dirty="0"/>
               <a:t>提示</a:t>
             </a:r>
-            <a:endParaRPr lang="zh-CN" altLang="en-US" dirty="0"/>
           </a:p>
         </p:txBody>
       </p:sp>
@@ -5307,12 +5293,9 @@
             </a:r>
             <a:r>
               <a:rPr lang="en-US" altLang="zh-CN" dirty="0" smtClean="0"/>
-              <a:t>					Patcher3 </a:t>
-            </a:r>
-            <a:r>
-              <a:rPr lang="en-US" altLang="zh-CN" dirty="0"/>
-              <a:t>Patcher4</a:t>
-            </a:r>
+              <a:t>					Patcher3 	Patcher4</a:t>
+            </a:r>
+            <a:endParaRPr lang="en-US" altLang="zh-CN" dirty="0"/>
           </a:p>
           <a:p>
             <a:pPr marL="514350" indent="-514350">
@@ -5488,7 +5471,6 @@
               <a:rPr lang="en-US" altLang="zh-CN" dirty="0" smtClean="0"/>
               <a:t>	Video</a:t>
             </a:r>
-            <a:endParaRPr lang="en-US" altLang="zh-CN" dirty="0" smtClean="0"/>
           </a:p>
           <a:p>
             <a:pPr>
@@ -5900,37 +5882,37 @@
               <a:buNone/>
             </a:pPr>
             <a:r>
-              <a:rPr lang="en-US" altLang="zh-CN" dirty="0" err="1" smtClean="0"/>
+              <a:rPr lang="en-US" altLang="zh-CN" dirty="0" err="1"/>
               <a:t>UpdateAutoCoroutine</a:t>
             </a:r>
-            <a:endParaRPr lang="en-US" altLang="zh-CN" dirty="0" smtClean="0"/>
+            <a:endParaRPr lang="en-US" altLang="zh-CN" dirty="0"/>
           </a:p>
           <a:p>
             <a:pPr>
               <a:buNone/>
             </a:pPr>
             <a:r>
-              <a:rPr lang="en-US" altLang="zh-CN" dirty="0" smtClean="0"/>
+              <a:rPr lang="en-US" altLang="zh-CN" dirty="0"/>
               <a:t>		</a:t>
             </a:r>
             <a:r>
-              <a:rPr lang="zh-CN" altLang="en-US" dirty="0" smtClean="0"/>
+              <a:rPr lang="zh-CN" altLang="en-US" dirty="0"/>
               <a:t>下载对应的</a:t>
             </a:r>
             <a:r>
-              <a:rPr lang="en-US" altLang="zh-CN" dirty="0" err="1" smtClean="0"/>
-              <a:t>jup</a:t>
-            </a:r>
-            <a:r>
-              <a:rPr lang="zh-CN" altLang="en-US" dirty="0" smtClean="0"/>
+              <a:rPr lang="en-US" altLang="zh-CN" dirty="0" err="1"/>
+              <a:t>pck</a:t>
+            </a:r>
+            <a:r>
+              <a:rPr lang="zh-CN" altLang="en-US" dirty="0"/>
               <a:t>，</a:t>
             </a:r>
             <a:r>
-              <a:rPr lang="en-US" altLang="zh-CN" dirty="0" smtClean="0"/>
+              <a:rPr lang="en-US" altLang="zh-CN" dirty="0"/>
               <a:t>md5</a:t>
             </a:r>
             <a:r>
-              <a:rPr lang="zh-CN" altLang="en-US" dirty="0" smtClean="0"/>
+              <a:rPr lang="zh-CN" altLang="en-US" dirty="0"/>
               <a:t>比较</a:t>
             </a:r>
           </a:p>
@@ -5939,7 +5921,7 @@
               <a:buNone/>
             </a:pPr>
             <a:r>
-              <a:rPr lang="zh-CN" altLang="en-US" dirty="0" smtClean="0"/>
+              <a:rPr lang="zh-CN" altLang="en-US" dirty="0"/>
               <a:t>		断线自动重连</a:t>
             </a:r>
           </a:p>
@@ -5948,7 +5930,7 @@
               <a:buNone/>
             </a:pPr>
             <a:r>
-              <a:rPr lang="zh-CN" altLang="en-US" dirty="0" smtClean="0"/>
+              <a:rPr lang="zh-CN" altLang="en-US" dirty="0"/>
               <a:t>		下载成功后， </a:t>
             </a:r>
           </a:p>
@@ -5956,49 +5938,48 @@
             <a:pPr>
               <a:buNone/>
             </a:pPr>
-            <a:endParaRPr lang="zh-CN" altLang="en-US" dirty="0" smtClean="0"/>
+            <a:endParaRPr lang="zh-CN" altLang="en-US" dirty="0"/>
           </a:p>
           <a:p>
             <a:pPr>
               <a:buNone/>
             </a:pPr>
             <a:r>
-              <a:rPr lang="zh-CN" altLang="en-US" dirty="0" smtClean="0"/>
+              <a:rPr lang="zh-CN" altLang="en-US" dirty="0"/>
               <a:t>		</a:t>
             </a:r>
             <a:r>
-              <a:rPr lang="en-US" altLang="zh-CN" dirty="0" err="1" smtClean="0"/>
+              <a:rPr lang="en-US" altLang="zh-CN" dirty="0" err="1"/>
               <a:t>UpdateFileFromPackCoroutine</a:t>
             </a:r>
-            <a:endParaRPr lang="en-US" altLang="zh-CN" dirty="0" smtClean="0"/>
+            <a:endParaRPr lang="en-US" altLang="zh-CN" dirty="0"/>
           </a:p>
           <a:p>
             <a:pPr>
               <a:buNone/>
             </a:pPr>
             <a:r>
-              <a:rPr lang="en-US" altLang="zh-CN" dirty="0" smtClean="0"/>
-              <a:t>			DoUpdateFrom7zCoroutine</a:t>
-            </a:r>
+              <a:rPr lang="en-US" altLang="zh-CN" dirty="0"/>
+              <a:t>			</a:t>
+            </a:r>
+            <a:r>
+              <a:rPr lang="en-US" altLang="zh-CN" dirty="0" err="1"/>
+              <a:t>DoUpdateFromPckCoroutine</a:t>
+            </a:r>
+            <a:endParaRPr lang="en-US" altLang="zh-CN" dirty="0"/>
           </a:p>
           <a:p>
             <a:pPr>
               <a:buNone/>
             </a:pPr>
             <a:r>
-              <a:rPr lang="en-US" altLang="zh-CN" dirty="0" smtClean="0"/>
+              <a:rPr lang="en-US" altLang="zh-CN" dirty="0"/>
               <a:t>			</a:t>
             </a:r>
             <a:r>
-              <a:rPr lang="zh-CN" altLang="en-US" dirty="0" smtClean="0"/>
+              <a:rPr lang="zh-CN" altLang="en-US" dirty="0"/>
               <a:t>写本地版本</a:t>
             </a:r>
-            <a:endParaRPr lang="en-US" altLang="zh-CN" dirty="0" smtClean="0"/>
-          </a:p>
-          <a:p>
-            <a:pPr>
-              <a:buNone/>
-            </a:pPr>
             <a:endParaRPr lang="zh-CN" altLang="en-US" dirty="0" smtClean="0"/>
           </a:p>
         </p:txBody>
@@ -6306,33 +6287,67 @@
               <a:buNone/>
             </a:pPr>
             <a:r>
-              <a:rPr lang="en-US" altLang="zh-CN" dirty="0" smtClean="0"/>
-              <a:t>DoUpdateFrom7zCoroutine</a:t>
-            </a:r>
+              <a:rPr lang="en-US" altLang="zh-CN" dirty="0" err="1"/>
+              <a:t>DoUpdateFromPckCoroutine</a:t>
+            </a:r>
+            <a:endParaRPr lang="en-US" altLang="zh-CN" dirty="0"/>
           </a:p>
           <a:p>
             <a:pPr>
               <a:buNone/>
             </a:pPr>
             <a:r>
-              <a:rPr lang="en-US" altLang="zh-CN" dirty="0" smtClean="0"/>
+              <a:rPr lang="en-US" altLang="zh-CN" dirty="0"/>
               <a:t>		</a:t>
             </a:r>
             <a:r>
-              <a:rPr lang="en-US" altLang="zh-CN" dirty="0" err="1" smtClean="0"/>
-              <a:t>SevenZReader</a:t>
+              <a:rPr lang="zh-CN" altLang="en-US" dirty="0"/>
+              <a:t>找到</a:t>
+            </a:r>
+            <a:r>
+              <a:rPr lang="en-US" altLang="zh-CN" dirty="0" err="1"/>
+              <a:t>inc</a:t>
+            </a:r>
+            <a:r>
+              <a:rPr lang="zh-CN" altLang="en-US" dirty="0"/>
+              <a:t>文件，写到磁盘，读取文件列表</a:t>
+            </a:r>
+          </a:p>
+          <a:p>
+            <a:pPr>
+              <a:buNone/>
+            </a:pPr>
+            <a:r>
+              <a:rPr lang="zh-CN" altLang="en-US" dirty="0"/>
+              <a:t>		对文件列表中的每个</a:t>
+            </a:r>
+            <a:r>
+              <a:rPr lang="zh-CN" altLang="en-US" dirty="0" smtClean="0"/>
+              <a:t>文件</a:t>
+            </a:r>
+            <a:r>
+              <a:rPr lang="zh-CN" altLang="en-US" dirty="0"/>
+              <a:t>，</a:t>
             </a:r>
             <a:r>
               <a:rPr lang="zh-CN" altLang="en-US" dirty="0" smtClean="0"/>
               <a:t>读取</a:t>
             </a:r>
             <a:r>
-              <a:rPr lang="en-US" altLang="zh-CN" dirty="0" err="1" smtClean="0"/>
-              <a:t>jup</a:t>
-            </a:r>
-            <a:r>
-              <a:rPr lang="zh-CN" altLang="en-US" dirty="0" smtClean="0"/>
-              <a:t>包</a:t>
+              <a:rPr lang="zh-CN" altLang="en-US" dirty="0"/>
+              <a:t>文件内容，比较</a:t>
+            </a:r>
+            <a:r>
+              <a:rPr lang="en-US" altLang="zh-CN" dirty="0" err="1"/>
+              <a:t>inc</a:t>
+            </a:r>
+            <a:r>
+              <a:rPr lang="zh-CN" altLang="en-US" dirty="0"/>
+              <a:t>文件中的</a:t>
+            </a:r>
+            <a:r>
+              <a:rPr lang="en-US" altLang="zh-CN" dirty="0"/>
+              <a:t>md5</a:t>
             </a:r>
           </a:p>
           <a:p>
@@ -6340,86 +6355,43 @@
               <a:buNone/>
             </a:pPr>
             <a:r>
-              <a:rPr lang="zh-CN" altLang="en-US" dirty="0" smtClean="0"/>
-              <a:t>		找到</a:t>
-            </a:r>
-            <a:r>
-              <a:rPr lang="en-US" altLang="zh-CN" dirty="0" smtClean="0"/>
-              <a:t>inc</a:t>
-            </a:r>
-            <a:r>
-              <a:rPr lang="zh-CN" altLang="en-US" dirty="0" smtClean="0"/>
-              <a:t>文件，写到磁盘，读取文件列表</a:t>
-            </a:r>
-          </a:p>
-          <a:p>
-            <a:pPr>
-              <a:buNone/>
-            </a:pPr>
-            <a:r>
-              <a:rPr lang="zh-CN" altLang="en-US" dirty="0" smtClean="0"/>
-              <a:t>		对文件列表中的每个文件</a:t>
-            </a:r>
-          </a:p>
-          <a:p>
-            <a:pPr>
-              <a:buNone/>
-            </a:pPr>
-            <a:r>
-              <a:rPr lang="zh-CN" altLang="en-US" dirty="0" smtClean="0"/>
-              <a:t>			解压文件内容，比较</a:t>
-            </a:r>
-            <a:r>
-              <a:rPr lang="en-US" altLang="zh-CN" dirty="0" smtClean="0"/>
-              <a:t>inc</a:t>
-            </a:r>
-            <a:r>
-              <a:rPr lang="zh-CN" altLang="en-US" dirty="0" smtClean="0"/>
-              <a:t>文件中的</a:t>
-            </a:r>
-            <a:r>
-              <a:rPr lang="en-US" altLang="zh-CN" dirty="0" smtClean="0"/>
-              <a:t>md5</a:t>
-            </a:r>
-          </a:p>
-          <a:p>
-            <a:pPr>
-              <a:buNone/>
-            </a:pPr>
-            <a:r>
-              <a:rPr lang="en-US" altLang="zh-CN" dirty="0" smtClean="0"/>
-              <a:t>			</a:t>
-            </a:r>
-            <a:r>
-              <a:rPr lang="zh-CN" altLang="en-US" dirty="0" smtClean="0"/>
-              <a:t>如果用</a:t>
-            </a:r>
-            <a:r>
-              <a:rPr lang="en-US" altLang="zh-CN" dirty="0" err="1" smtClean="0"/>
+              <a:rPr lang="en-US" altLang="zh-CN" dirty="0"/>
+              <a:t>		</a:t>
+            </a:r>
+            <a:r>
+              <a:rPr lang="zh-CN" altLang="en-US" dirty="0" smtClean="0"/>
+              <a:t>如果</a:t>
+            </a:r>
+            <a:r>
+              <a:rPr lang="zh-CN" altLang="en-US" dirty="0"/>
+              <a:t>用</a:t>
+            </a:r>
+            <a:r>
+              <a:rPr lang="en-US" altLang="zh-CN" dirty="0" err="1"/>
               <a:t>pck</a:t>
             </a:r>
             <a:r>
-              <a:rPr lang="zh-CN" altLang="en-US" dirty="0" smtClean="0"/>
+              <a:rPr lang="zh-CN" altLang="en-US" dirty="0"/>
               <a:t>，将压缩内容写入</a:t>
             </a:r>
             <a:r>
-              <a:rPr lang="en-US" altLang="zh-CN" dirty="0" err="1" smtClean="0"/>
+              <a:rPr lang="en-US" altLang="zh-CN" dirty="0" err="1"/>
               <a:t>pck</a:t>
             </a:r>
             <a:r>
-              <a:rPr lang="zh-CN" altLang="en-US" dirty="0" smtClean="0"/>
+              <a:rPr lang="zh-CN" altLang="en-US" dirty="0"/>
               <a:t>，否则直接解压到磁盘上</a:t>
             </a:r>
             <a:r>
-              <a:rPr lang="en-US" altLang="zh-CN" dirty="0" smtClean="0"/>
+              <a:rPr lang="en-US" altLang="zh-CN" dirty="0"/>
               <a:t>(</a:t>
             </a:r>
             <a:r>
-              <a:rPr lang="en-US" altLang="zh-CN" dirty="0" err="1" smtClean="0"/>
+              <a:rPr lang="en-US" altLang="zh-CN" dirty="0" err="1"/>
               <a:t>AssetBundles</a:t>
             </a:r>
             <a:r>
-              <a:rPr lang="en-US" altLang="zh-CN" dirty="0" smtClean="0"/>
+              <a:rPr lang="en-US" altLang="zh-CN" dirty="0"/>
               <a:t>)</a:t>
             </a:r>
             <a:endParaRPr lang="zh-CN" altLang="en-US" dirty="0" smtClean="0"/>
@@ -6501,133 +6473,389 @@
           <a:lstStyle/>
           <a:p>
             <a:r>
-              <a:rPr lang="zh-CN" altLang="en-US" dirty="0" smtClean="0"/>
-              <a:t>网络自动重连</a:t>
+              <a:rPr lang="zh-CN" altLang="en-US" dirty="0"/>
+              <a:t>网络自动重</a:t>
+            </a:r>
+            <a:r>
+              <a:rPr lang="zh-CN" altLang="en-US" dirty="0" smtClean="0"/>
+              <a:t>连</a:t>
             </a:r>
             <a:endParaRPr lang="en-US" altLang="zh-CN" dirty="0" smtClean="0"/>
           </a:p>
           <a:p>
-            <a:pPr>
-              <a:buNone/>
-            </a:pPr>
-            <a:r>
-              <a:rPr lang="zh-CN" altLang="en-US" dirty="0" smtClean="0"/>
-              <a:t>        如果在下载过程中网络不稳定，中断时，自动尝试重连，</a:t>
-            </a:r>
-          </a:p>
-          <a:p>
-            <a:pPr>
+            <a:pPr marL="0" indent="0">
               <a:buNone/>
             </a:pPr>
             <a:r>
               <a:rPr lang="en-US" altLang="zh-CN" dirty="0" smtClean="0"/>
-              <a:t>	     </a:t>
-            </a:r>
-            <a:r>
-              <a:rPr lang="zh-CN" altLang="en-US" dirty="0" smtClean="0"/>
-              <a:t>如果尝试多次后仍不能连接，则停止自动重连，弹</a:t>
-            </a:r>
-            <a:r>
-              <a:rPr lang="en-US" altLang="zh-CN" dirty="0" err="1" smtClean="0"/>
-              <a:t>MessageBox</a:t>
+              <a:t>	</a:t>
+            </a:r>
+            <a:r>
+              <a:rPr lang="zh-CN" altLang="en-US" sz="2600" dirty="0" smtClean="0">
+                <a:latin typeface="+mn-ea"/>
+              </a:rPr>
+              <a:t>如果</a:t>
+            </a:r>
+            <a:r>
+              <a:rPr lang="zh-CN" altLang="en-US" sz="2600" dirty="0">
+                <a:latin typeface="+mn-ea"/>
+              </a:rPr>
+              <a:t>在下载过程中网络不稳定，</a:t>
+            </a:r>
+            <a:r>
+              <a:rPr lang="zh-CN" altLang="en-US" sz="2600">
+                <a:latin typeface="+mn-ea"/>
+              </a:rPr>
+              <a:t>中断</a:t>
+            </a:r>
+            <a:r>
+              <a:rPr lang="zh-CN" altLang="en-US" sz="2600" smtClean="0">
+                <a:latin typeface="+mn-ea"/>
+              </a:rPr>
+              <a:t>时自动</a:t>
+            </a:r>
+            <a:r>
+              <a:rPr lang="zh-CN" altLang="en-US" sz="2600" dirty="0">
+                <a:latin typeface="+mn-ea"/>
+              </a:rPr>
+              <a:t>尝试</a:t>
+            </a:r>
+            <a:r>
+              <a:rPr lang="zh-CN" altLang="en-US" sz="2600">
+                <a:latin typeface="+mn-ea"/>
+              </a:rPr>
+              <a:t>重</a:t>
+            </a:r>
+            <a:r>
+              <a:rPr lang="zh-CN" altLang="en-US" sz="2600" smtClean="0">
+                <a:latin typeface="+mn-ea"/>
+              </a:rPr>
+              <a:t>连</a:t>
+            </a:r>
+            <a:r>
+              <a:rPr lang="en-US" altLang="zh-CN" sz="2600" dirty="0" smtClean="0">
+                <a:latin typeface="+mn-ea"/>
+              </a:rPr>
+              <a:t>	</a:t>
+            </a:r>
+            <a:r>
+              <a:rPr lang="zh-CN" altLang="en-US" sz="2600" dirty="0" smtClean="0">
+                <a:latin typeface="+mn-ea"/>
+              </a:rPr>
+              <a:t>如果</a:t>
+            </a:r>
+            <a:r>
+              <a:rPr lang="zh-CN" altLang="en-US" sz="2600" dirty="0">
+                <a:latin typeface="+mn-ea"/>
+              </a:rPr>
+              <a:t>尝试多次后仍不能连接，则停止自动重连，</a:t>
+            </a:r>
+            <a:r>
+              <a:rPr lang="zh-CN" altLang="en-US" sz="2600" dirty="0" smtClean="0">
+                <a:latin typeface="+mn-ea"/>
+              </a:rPr>
+              <a:t>弹窗</a:t>
+            </a:r>
+            <a:endParaRPr lang="en-US" altLang="zh-CN" sz="2600" dirty="0" smtClean="0">
+              <a:latin typeface="+mn-ea"/>
+            </a:endParaRPr>
+          </a:p>
+          <a:p>
+            <a:pPr marL="0" indent="0">
+              <a:buNone/>
+            </a:pPr>
+            <a:endParaRPr lang="zh-CN" altLang="en-US" sz="2400" dirty="0"/>
+          </a:p>
+          <a:p>
+            <a:r>
+              <a:rPr lang="zh-CN" altLang="en-US" dirty="0"/>
+              <a:t>执行较长时间操作时不能卡顿</a:t>
+            </a:r>
+            <a:r>
+              <a:rPr lang="zh-CN" altLang="en-US" dirty="0" smtClean="0"/>
+              <a:t>主线</a:t>
+            </a:r>
+            <a:r>
+              <a:rPr lang="zh-CN" altLang="en-US" dirty="0"/>
+              <a:t>	</a:t>
             </a:r>
             <a:endParaRPr lang="en-US" altLang="zh-CN" dirty="0" smtClean="0"/>
           </a:p>
           <a:p>
-            <a:pPr>
-              <a:buNone/>
-            </a:pPr>
-            <a:endParaRPr lang="en-US" altLang="zh-CN" dirty="0" smtClean="0"/>
-          </a:p>
-          <a:p>
-            <a:r>
-              <a:rPr lang="zh-CN" altLang="en-US" dirty="0" smtClean="0"/>
-              <a:t>提供清空整个更新目录，再重新下载的功能</a:t>
-            </a:r>
-          </a:p>
-          <a:p>
-            <a:pPr>
-              <a:buNone/>
-            </a:pPr>
-            <a:r>
-              <a:rPr lang="en-US" altLang="zh-CN" dirty="0" smtClean="0"/>
-              <a:t>	    </a:t>
-            </a:r>
-            <a:r>
-              <a:rPr lang="zh-CN" altLang="en-US" dirty="0" smtClean="0"/>
-              <a:t>写</a:t>
-            </a:r>
-            <a:r>
-              <a:rPr lang="en-US" altLang="zh-CN" dirty="0" err="1" smtClean="0"/>
-              <a:t>pck</a:t>
-            </a:r>
-            <a:r>
-              <a:rPr lang="zh-CN" altLang="en-US" dirty="0" smtClean="0"/>
-              <a:t>包时程序退出，下次</a:t>
-            </a:r>
-            <a:r>
-              <a:rPr lang="en-US" altLang="zh-CN" dirty="0" err="1" smtClean="0"/>
-              <a:t>pck</a:t>
-            </a:r>
-            <a:r>
-              <a:rPr lang="zh-CN" altLang="en-US" dirty="0" smtClean="0"/>
-              <a:t>环境被破坏，则提示包错误 </a:t>
-            </a:r>
-            <a:r>
-              <a:rPr lang="en-US" altLang="zh-CN" dirty="0" smtClean="0"/>
+            <a:pPr marL="0" indent="0">
+              <a:buNone/>
+            </a:pPr>
+            <a:r>
+              <a:rPr lang="en-US" altLang="zh-CN" dirty="0"/>
+              <a:t>	</a:t>
+            </a:r>
+            <a:r>
+              <a:rPr lang="zh-CN" altLang="en-US" sz="2600" dirty="0"/>
+              <a:t>下载文件时</a:t>
+            </a:r>
+            <a:r>
+              <a:rPr lang="en-US" altLang="zh-CN" sz="2600" dirty="0"/>
               <a:t>(</a:t>
             </a:r>
             <a:r>
-              <a:rPr lang="zh-CN" altLang="en-US" dirty="0" smtClean="0"/>
-              <a:t>几率较小</a:t>
-            </a:r>
-            <a:r>
-              <a:rPr lang="en-US" altLang="zh-CN" dirty="0" smtClean="0"/>
+              <a:rPr lang="zh-CN" altLang="en-US" sz="2600" dirty="0"/>
+              <a:t>游戏</a:t>
+            </a:r>
+            <a:r>
+              <a:rPr lang="en-US" altLang="zh-CN" sz="2600" dirty="0"/>
+              <a:t>UI</a:t>
+            </a:r>
+            <a:r>
+              <a:rPr lang="zh-CN" altLang="en-US" sz="2600" dirty="0"/>
+              <a:t>保持转圈</a:t>
+            </a:r>
+            <a:r>
+              <a:rPr lang="en-US" altLang="zh-CN" sz="2600" dirty="0"/>
               <a:t>)</a:t>
             </a:r>
           </a:p>
           <a:p>
-            <a:pPr>
-              <a:buNone/>
-            </a:pPr>
-            <a:r>
-              <a:rPr lang="en-US" altLang="zh-CN" dirty="0" smtClean="0"/>
-              <a:t>	    </a:t>
-            </a:r>
-            <a:r>
-              <a:rPr lang="zh-CN" altLang="en-US" dirty="0" smtClean="0"/>
-              <a:t>解压</a:t>
-            </a:r>
-            <a:r>
-              <a:rPr lang="en-US" altLang="zh-CN" dirty="0" err="1" smtClean="0"/>
-              <a:t>assetbundles</a:t>
-            </a:r>
-            <a:r>
-              <a:rPr lang="zh-CN" altLang="en-US" dirty="0" smtClean="0"/>
-              <a:t>时程序退出，不会破坏</a:t>
-            </a:r>
-            <a:r>
-              <a:rPr lang="en-US" altLang="zh-CN" dirty="0" err="1" smtClean="0"/>
-              <a:t>pck</a:t>
-            </a:r>
-            <a:r>
-              <a:rPr lang="zh-CN" altLang="en-US" dirty="0" smtClean="0"/>
-              <a:t>环境，下次正常下载 </a:t>
-            </a:r>
-            <a:endParaRPr lang="en-US" altLang="zh-CN" dirty="0" smtClean="0"/>
-          </a:p>
-          <a:p>
-            <a:endParaRPr lang="zh-CN" altLang="en-US" dirty="0" smtClean="0"/>
-          </a:p>
-          <a:p>
-            <a:pPr>
-              <a:buNone/>
-            </a:pPr>
-            <a:endParaRPr lang="zh-CN" altLang="en-US" dirty="0"/>
+            <a:pPr marL="0" indent="0">
+              <a:buNone/>
+            </a:pPr>
+            <a:r>
+              <a:rPr lang="en-US" altLang="zh-CN" sz="2600" dirty="0"/>
+              <a:t>	</a:t>
+            </a:r>
+            <a:r>
+              <a:rPr lang="zh-CN" altLang="en-US" sz="2600" dirty="0" smtClean="0"/>
+              <a:t>计算</a:t>
+            </a:r>
+            <a:r>
+              <a:rPr lang="en-US" altLang="zh-CN" sz="2600" dirty="0"/>
+              <a:t>Md5</a:t>
+            </a:r>
+            <a:r>
+              <a:rPr lang="zh-CN" altLang="en-US" sz="2600" dirty="0"/>
+              <a:t>时</a:t>
+            </a:r>
+          </a:p>
+          <a:p>
+            <a:pPr marL="0" indent="0">
+              <a:buNone/>
+            </a:pPr>
+            <a:r>
+              <a:rPr lang="zh-CN" altLang="en-US" sz="2600" dirty="0"/>
+              <a:t>	</a:t>
+            </a:r>
+            <a:r>
+              <a:rPr lang="zh-CN" altLang="en-US" sz="2600" dirty="0" smtClean="0"/>
+              <a:t>文件</a:t>
+            </a:r>
+            <a:r>
+              <a:rPr lang="zh-CN" altLang="en-US" sz="2600" dirty="0"/>
+              <a:t>拷贝</a:t>
+            </a:r>
+            <a:r>
+              <a:rPr lang="zh-CN" altLang="en-US" sz="2600" dirty="0" smtClean="0"/>
+              <a:t>时</a:t>
+            </a:r>
+            <a:endParaRPr lang="en-US" altLang="zh-CN" sz="2600" dirty="0" smtClean="0"/>
+          </a:p>
+          <a:p>
+            <a:pPr marL="0" indent="0">
+              <a:buNone/>
+            </a:pPr>
+            <a:endParaRPr lang="zh-CN" altLang="en-US" sz="2400" dirty="0"/>
+          </a:p>
+          <a:p>
+            <a:r>
+              <a:rPr lang="zh-CN" altLang="en-US" dirty="0" smtClean="0"/>
+              <a:t>断点</a:t>
+            </a:r>
+            <a:r>
+              <a:rPr lang="zh-CN" altLang="en-US" dirty="0"/>
+              <a:t>续传</a:t>
+            </a:r>
+          </a:p>
+          <a:p>
+            <a:pPr marL="0" indent="0">
+              <a:buNone/>
+            </a:pPr>
+            <a:r>
+              <a:rPr lang="zh-CN" altLang="en-US" sz="5100" dirty="0"/>
+              <a:t>	</a:t>
+            </a:r>
+            <a:r>
+              <a:rPr lang="zh-CN" altLang="en-US" sz="2600" dirty="0" smtClean="0">
+                <a:latin typeface="+mn-ea"/>
+              </a:rPr>
+              <a:t>利用</a:t>
+            </a:r>
+            <a:r>
+              <a:rPr lang="en-US" altLang="zh-CN" sz="2600" dirty="0">
+                <a:latin typeface="+mn-ea"/>
+              </a:rPr>
+              <a:t>http</a:t>
+            </a:r>
+            <a:r>
+              <a:rPr lang="zh-CN" altLang="en-US" sz="2600" dirty="0">
+                <a:latin typeface="+mn-ea"/>
+              </a:rPr>
+              <a:t>协议的</a:t>
+            </a:r>
+            <a:r>
+              <a:rPr lang="en-US" altLang="zh-CN" sz="2600" dirty="0">
+                <a:latin typeface="+mn-ea"/>
+              </a:rPr>
+              <a:t>range</a:t>
+            </a:r>
+            <a:r>
+              <a:rPr lang="zh-CN" altLang="en-US" sz="2600" dirty="0">
+                <a:latin typeface="+mn-ea"/>
+              </a:rPr>
+              <a:t>机制实现</a:t>
+            </a:r>
+          </a:p>
+          <a:p>
+            <a:pPr marL="0" indent="0">
+              <a:buNone/>
+            </a:pPr>
+            <a:r>
+              <a:rPr lang="zh-CN" altLang="en-US" sz="2600" dirty="0">
+                <a:latin typeface="+mn-ea"/>
+              </a:rPr>
+              <a:t>	</a:t>
+            </a:r>
+            <a:r>
+              <a:rPr lang="en-US" altLang="zh-CN" sz="2600" dirty="0" err="1" smtClean="0">
+                <a:latin typeface="+mn-ea"/>
+              </a:rPr>
+              <a:t>CURLoption.CURLOPT_RANGE</a:t>
+            </a:r>
+            <a:endParaRPr lang="en-US" altLang="zh-CN" sz="2600" dirty="0">
+              <a:latin typeface="+mn-ea"/>
+            </a:endParaRPr>
+          </a:p>
+          <a:p>
+            <a:pPr marL="0" indent="0">
+              <a:buNone/>
+            </a:pPr>
+            <a:r>
+              <a:rPr lang="en-US" altLang="zh-CN" sz="2600" dirty="0">
+                <a:latin typeface="+mn-ea"/>
+              </a:rPr>
+              <a:t>	</a:t>
+            </a:r>
+            <a:r>
+              <a:rPr lang="en-US" altLang="zh-CN" sz="2600" dirty="0" err="1">
+                <a:latin typeface="+mn-ea"/>
+              </a:rPr>
+              <a:t>CURLoption.CURLOPT_RESUME_FROM</a:t>
+            </a:r>
+            <a:endParaRPr lang="zh-CN" altLang="en-US" sz="2600" dirty="0">
+              <a:latin typeface="+mn-ea"/>
+            </a:endParaRPr>
           </a:p>
         </p:txBody>
       </p:sp>
     </p:spTree>
+  </p:cSld>
+  <p:clrMapOvr>
+    <a:masterClrMapping/>
+  </p:clrMapOvr>
+  <p:transition/>
+  <p:timing>
+    <p:tnLst>
+      <p:par>
+        <p:cTn id="1" dur="indefinite" restart="never" nodeType="tmRoot"/>
+      </p:par>
+    </p:tnLst>
+  </p:timing>
+</p:sld>
+</file>
+
+<file path=ppt/slides/slide22.xml><?xml version="1.0" encoding="utf-8"?>
+<p:sld xmlns:a="http://schemas.openxmlformats.org/drawingml/2006/main" xmlns:r="http://schemas.openxmlformats.org/officeDocument/2006/relationships" xmlns:p="http://schemas.openxmlformats.org/presentationml/2006/main">
+  <p:cSld>
+    <p:spTree>
+      <p:nvGrpSpPr>
+        <p:cNvPr id="1" name=""/>
+        <p:cNvGrpSpPr/>
+        <p:nvPr/>
+      </p:nvGrpSpPr>
+      <p:grpSpPr>
+        <a:xfrm>
+          <a:off x="0" y="0"/>
+          <a:ext cx="0" cy="0"/>
+          <a:chOff x="0" y="0"/>
+          <a:chExt cx="0" cy="0"/>
+        </a:xfrm>
+      </p:grpSpPr>
+      <p:sp>
+        <p:nvSpPr>
+          <p:cNvPr id="6" name="标题 5"/>
+          <p:cNvSpPr>
+            <a:spLocks noGrp="1"/>
+          </p:cNvSpPr>
+          <p:nvPr>
+            <p:ph type="title"/>
+          </p:nvPr>
+        </p:nvSpPr>
+        <p:spPr/>
+        <p:txBody>
+          <a:bodyPr/>
+          <a:lstStyle/>
+          <a:p>
+            <a:pPr algn="ctr"/>
+            <a:r>
+              <a:rPr lang="en-US" altLang="zh-CN" dirty="0" smtClean="0">
+                <a:latin typeface="+mn-ea"/>
+                <a:ea typeface="+mn-ea"/>
+              </a:rPr>
+              <a:t>Q&amp;A</a:t>
+            </a:r>
+            <a:endParaRPr lang="zh-CN" altLang="en-US" dirty="0">
+              <a:latin typeface="+mn-ea"/>
+              <a:ea typeface="+mn-ea"/>
+            </a:endParaRPr>
+          </a:p>
+        </p:txBody>
+      </p:sp>
+      <p:sp>
+        <p:nvSpPr>
+          <p:cNvPr id="7" name="内容占位符 6"/>
+          <p:cNvSpPr>
+            <a:spLocks noGrp="1"/>
+          </p:cNvSpPr>
+          <p:nvPr>
+            <p:ph idx="1"/>
+          </p:nvPr>
+        </p:nvSpPr>
+        <p:spPr>
+          <a:xfrm>
+            <a:off x="457200" y="2780928"/>
+            <a:ext cx="8229600" cy="3391589"/>
+          </a:xfrm>
+        </p:spPr>
+        <p:txBody>
+          <a:bodyPr>
+            <a:normAutofit/>
+          </a:bodyPr>
+          <a:lstStyle/>
+          <a:p>
+            <a:pPr marL="0" indent="0" algn="ctr">
+              <a:buNone/>
+            </a:pPr>
+            <a:r>
+              <a:rPr lang="zh-CN" altLang="en-US" sz="8000" dirty="0" smtClean="0"/>
+              <a:t>谢谢大家</a:t>
+            </a:r>
+            <a:endParaRPr lang="zh-CN" altLang="en-US" sz="8000" dirty="0"/>
+          </a:p>
+        </p:txBody>
+      </p:sp>
+    </p:spTree>
+    <p:extLst>
+      <p:ext uri="{BB962C8B-B14F-4D97-AF65-F5344CB8AC3E}">
+        <p14:creationId xmlns:p14="http://schemas.microsoft.com/office/powerpoint/2010/main" val="2498985764"/>
+      </p:ext>
+    </p:extLst>
   </p:cSld>
   <p:clrMapOvr>
     <a:masterClrMapping/>
@@ -6776,6 +7004,13 @@
     <a:masterClrMapping/>
   </p:clrMapOvr>
   <p:transition/>
+  <p:timing>
+    <p:tnLst>
+      <p:par>
+        <p:cTn id="1" dur="indefinite" restart="never" nodeType="tmRoot"/>
+      </p:par>
+    </p:tnLst>
+  </p:timing>
 </p:sld>
 </file>
 
@@ -6851,11 +7086,7 @@
             </a:pPr>
             <a:r>
               <a:rPr lang="zh-CN" altLang="en-US" dirty="0" smtClean="0"/>
-              <a:t>	服务器</a:t>
-            </a:r>
-            <a:r>
-              <a:rPr lang="zh-CN" altLang="en-US" dirty="0" smtClean="0"/>
-              <a:t>：</a:t>
+              <a:t>	服务器：</a:t>
             </a:r>
             <a:r>
               <a:rPr lang="en-US" altLang="zh-CN" dirty="0" smtClean="0"/>
@@ -7108,15 +7339,7 @@
             <a:pPr algn="ctr"/>
             <a:r>
               <a:rPr lang="zh-CN" altLang="en-US" dirty="0" smtClean="0"/>
-              <a:t>更新的几个</a:t>
-            </a:r>
-            <a:r>
-              <a:rPr lang="zh-CN" altLang="en-US" dirty="0" smtClean="0"/>
-              <a:t>问题</a:t>
-            </a:r>
-            <a:r>
-              <a:rPr lang="zh-CN" altLang="en-US" dirty="0" smtClean="0"/>
-              <a:t>（</a:t>
+              <a:t>更新的几个问题（</a:t>
             </a:r>
             <a:r>
               <a:rPr lang="en-US" altLang="zh-CN" dirty="0" smtClean="0"/>
@@ -7417,7 +7640,21 @@
   <p:clrMapOvr>
     <a:masterClrMapping/>
   </p:clrMapOvr>
-  <p:transition/>
+  <mc:AlternateContent xmlns:mc="http://schemas.openxmlformats.org/markup-compatibility/2006" xmlns:p14="http://schemas.microsoft.com/office/powerpoint/2010/main">
+    <mc:Choice Requires="p14">
+      <p:transition p14:dur="0"/>
+    </mc:Choice>
+    <mc:Fallback xmlns="">
+      <p:transition/>
+    </mc:Fallback>
+  </mc:AlternateContent>
+  <p:timing>
+    <p:tnLst>
+      <p:par>
+        <p:cTn id="1" dur="indefinite" restart="never" nodeType="tmRoot"/>
+      </p:par>
+    </p:tnLst>
+  </p:timing>
 </p:sld>
 </file>
 
@@ -7636,7 +7873,6 @@
               <a:rPr lang="zh-CN" altLang="en-US" dirty="0"/>
               <a:t>内容的容器</a:t>
             </a:r>
-            <a:endParaRPr lang="zh-CN" altLang="en-US" dirty="0"/>
           </a:p>
         </p:txBody>
       </p:sp>
@@ -7831,7 +8067,6 @@
               <a:rPr lang="zh-CN" altLang="en-US" dirty="0"/>
               <a:t>库的实现</a:t>
             </a:r>
-            <a:endParaRPr lang="zh-CN" altLang="en-US" dirty="0"/>
           </a:p>
         </p:txBody>
       </p:sp>
@@ -7969,7 +8204,6 @@
               <a:rPr lang="zh-CN" altLang="en-US" dirty="0"/>
               <a:t>比较，下载进度结束通知，临时文件保存</a:t>
             </a:r>
-            <a:endParaRPr lang="zh-CN" altLang="en-US" dirty="0"/>
           </a:p>
         </p:txBody>
       </p:sp>
